--- a/PP_MAL_NORSK_mai2025.pptx
+++ b/PP_MAL_NORSK_mai2025.pptx
@@ -137,7 +137,7 @@
 <file path=ppt/revisionInfo.xml><?xml version="1.0" encoding="utf-8"?>
 <p1510:revInfo xmlns:a="http://schemas.openxmlformats.org/drawingml/2006/main" xmlns:r="http://schemas.openxmlformats.org/officeDocument/2006/relationships" xmlns:p1510="http://schemas.microsoft.com/office/powerpoint/2015/10/main">
   <p1510:revLst>
-    <p1510:client id="{9A01A7A6-B337-46B6-97CA-2DF73FEDB485}" v="1" dt="2025-05-20T10:30:27.912"/>
+    <p1510:client id="{9A01A7A6-B337-46B6-97CA-2DF73FEDB485}" v="6" dt="2025-05-20T10:35:52.925"/>
   </p1510:revLst>
 </p1510:revInfo>
 </file>
@@ -146,13 +146,36 @@
 <pc:chgInfo xmlns:a="http://schemas.openxmlformats.org/drawingml/2006/main" xmlns:r="http://schemas.openxmlformats.org/officeDocument/2006/relationships" xmlns:ac="http://schemas.microsoft.com/office/drawing/2013/main/command" xmlns:pc="http://schemas.microsoft.com/office/powerpoint/2013/main/command">
   <pc:docChgLst>
     <pc:chgData name="Falk, Jørgen" userId="55f49793-6c92-4caf-bc92-5bcf554a0f26" providerId="ADAL" clId="{9A01A7A6-B337-46B6-97CA-2DF73FEDB485}"/>
-    <pc:docChg chg="modSld">
-      <pc:chgData name="Falk, Jørgen" userId="55f49793-6c92-4caf-bc92-5bcf554a0f26" providerId="ADAL" clId="{9A01A7A6-B337-46B6-97CA-2DF73FEDB485}" dt="2025-05-20T10:31:42.822" v="16" actId="27918"/>
+    <pc:docChg chg="custSel modSld">
+      <pc:chgData name="Falk, Jørgen" userId="55f49793-6c92-4caf-bc92-5bcf554a0f26" providerId="ADAL" clId="{9A01A7A6-B337-46B6-97CA-2DF73FEDB485}" dt="2025-05-20T10:36:13.762" v="22" actId="478"/>
       <pc:docMkLst>
         <pc:docMk/>
       </pc:docMkLst>
       <pc:sldChg chg="addSp delSp modSp mod">
-        <pc:chgData name="Falk, Jørgen" userId="55f49793-6c92-4caf-bc92-5bcf554a0f26" providerId="ADAL" clId="{9A01A7A6-B337-46B6-97CA-2DF73FEDB485}" dt="2025-05-20T10:31:42.822" v="16" actId="27918"/>
+        <pc:chgData name="Falk, Jørgen" userId="55f49793-6c92-4caf-bc92-5bcf554a0f26" providerId="ADAL" clId="{9A01A7A6-B337-46B6-97CA-2DF73FEDB485}" dt="2025-05-20T10:35:45.156" v="21" actId="1957"/>
+        <pc:sldMkLst>
+          <pc:docMk/>
+          <pc:sldMk cId="1049723595" sldId="292"/>
+        </pc:sldMkLst>
+        <pc:spChg chg="add del">
+          <ac:chgData name="Falk, Jørgen" userId="55f49793-6c92-4caf-bc92-5bcf554a0f26" providerId="ADAL" clId="{9A01A7A6-B337-46B6-97CA-2DF73FEDB485}" dt="2025-05-20T10:35:45.156" v="21" actId="1957"/>
+          <ac:spMkLst>
+            <pc:docMk/>
+            <pc:sldMk cId="1049723595" sldId="292"/>
+            <ac:spMk id="3" creationId="{49B7D18A-042B-AE84-8BFF-02095D74DBDA}"/>
+          </ac:spMkLst>
+        </pc:spChg>
+        <pc:graphicFrameChg chg="add mod">
+          <ac:chgData name="Falk, Jørgen" userId="55f49793-6c92-4caf-bc92-5bcf554a0f26" providerId="ADAL" clId="{9A01A7A6-B337-46B6-97CA-2DF73FEDB485}" dt="2025-05-20T10:35:45.156" v="21" actId="1957"/>
+          <ac:graphicFrameMkLst>
+            <pc:docMk/>
+            <pc:sldMk cId="1049723595" sldId="292"/>
+            <ac:graphicFrameMk id="6" creationId="{7B6F9C7C-1EB7-CE74-4E87-A418DFBADBA5}"/>
+          </ac:graphicFrameMkLst>
+        </pc:graphicFrameChg>
+      </pc:sldChg>
+      <pc:sldChg chg="addSp delSp modSp mod">
+        <pc:chgData name="Falk, Jørgen" userId="55f49793-6c92-4caf-bc92-5bcf554a0f26" providerId="ADAL" clId="{9A01A7A6-B337-46B6-97CA-2DF73FEDB485}" dt="2025-05-20T10:36:13.762" v="22" actId="478"/>
         <pc:sldMkLst>
           <pc:docMk/>
           <pc:sldMk cId="1221881548" sldId="301"/>
@@ -165,8 +188,16 @@
             <ac:spMk id="3" creationId="{55D8F47D-81E4-381A-F51B-1F04C035A30F}"/>
           </ac:spMkLst>
         </pc:spChg>
-        <pc:graphicFrameChg chg="add mod">
-          <ac:chgData name="Falk, Jørgen" userId="55f49793-6c92-4caf-bc92-5bcf554a0f26" providerId="ADAL" clId="{9A01A7A6-B337-46B6-97CA-2DF73FEDB485}" dt="2025-05-20T10:30:27.912" v="1" actId="1957"/>
+        <pc:spChg chg="add mod">
+          <ac:chgData name="Falk, Jørgen" userId="55f49793-6c92-4caf-bc92-5bcf554a0f26" providerId="ADAL" clId="{9A01A7A6-B337-46B6-97CA-2DF73FEDB485}" dt="2025-05-20T10:36:13.762" v="22" actId="478"/>
+          <ac:spMkLst>
+            <pc:docMk/>
+            <pc:sldMk cId="1221881548" sldId="301"/>
+            <ac:spMk id="4" creationId="{4B697510-C5B0-1288-247C-6176EB451E59}"/>
+          </ac:spMkLst>
+        </pc:spChg>
+        <pc:graphicFrameChg chg="add del mod">
+          <ac:chgData name="Falk, Jørgen" userId="55f49793-6c92-4caf-bc92-5bcf554a0f26" providerId="ADAL" clId="{9A01A7A6-B337-46B6-97CA-2DF73FEDB485}" dt="2025-05-20T10:36:13.762" v="22" actId="478"/>
           <ac:graphicFrameMkLst>
             <pc:docMk/>
             <pc:sldMk cId="1221881548" sldId="301"/>
@@ -174,1222 +205,24 @@
           </ac:graphicFrameMkLst>
         </pc:graphicFrameChg>
       </pc:sldChg>
+      <pc:sldChg chg="addSp modSp">
+        <pc:chgData name="Falk, Jørgen" userId="55f49793-6c92-4caf-bc92-5bcf554a0f26" providerId="ADAL" clId="{9A01A7A6-B337-46B6-97CA-2DF73FEDB485}" dt="2025-05-20T10:35:28.217" v="20"/>
+        <pc:sldMkLst>
+          <pc:docMk/>
+          <pc:sldMk cId="1127086015" sldId="306"/>
+        </pc:sldMkLst>
+        <pc:graphicFrameChg chg="add mod">
+          <ac:chgData name="Falk, Jørgen" userId="55f49793-6c92-4caf-bc92-5bcf554a0f26" providerId="ADAL" clId="{9A01A7A6-B337-46B6-97CA-2DF73FEDB485}" dt="2025-05-20T10:35:28.217" v="20"/>
+          <ac:graphicFrameMkLst>
+            <pc:docMk/>
+            <pc:sldMk cId="1127086015" sldId="306"/>
+            <ac:graphicFrameMk id="4" creationId="{309BD1AF-546A-A55F-B6F1-2DB865BB5292}"/>
+          </ac:graphicFrameMkLst>
+        </pc:graphicFrameChg>
+      </pc:sldChg>
     </pc:docChg>
   </pc:docChgLst>
 </pc:chgInfo>
-</file>
-
-<file path=ppt/charts/chart1.xml><?xml version="1.0" encoding="utf-8"?>
-<c:chartSpace xmlns:c="http://schemas.openxmlformats.org/drawingml/2006/chart" xmlns:a="http://schemas.openxmlformats.org/drawingml/2006/main" xmlns:r="http://schemas.openxmlformats.org/officeDocument/2006/relationships" xmlns:c16r2="http://schemas.microsoft.com/office/drawing/2015/06/chart">
-  <c:date1904 val="0"/>
-  <c:lang val="nb-NO"/>
-  <c:roundedCorners val="0"/>
-  <mc:AlternateContent xmlns:mc="http://schemas.openxmlformats.org/markup-compatibility/2006">
-    <mc:Choice xmlns:c14="http://schemas.microsoft.com/office/drawing/2007/8/2/chart" Requires="c14">
-      <c14:style val="102"/>
-    </mc:Choice>
-    <mc:Fallback>
-      <c:style val="2"/>
-    </mc:Fallback>
-  </mc:AlternateContent>
-  <c:chart>
-    <c:title>
-      <c:overlay val="0"/>
-      <c:spPr>
-        <a:noFill/>
-        <a:ln>
-          <a:noFill/>
-        </a:ln>
-        <a:effectLst/>
-      </c:spPr>
-      <c:txPr>
-        <a:bodyPr rot="0" spcFirstLastPara="1" vertOverflow="ellipsis" vert="horz" wrap="square" anchor="ctr" anchorCtr="1"/>
-        <a:lstStyle/>
-        <a:p>
-          <a:pPr>
-            <a:defRPr sz="1862" b="0" i="0" u="none" strike="noStrike" kern="1200" spc="0" baseline="0">
-              <a:solidFill>
-                <a:schemeClr val="tx1">
-                  <a:lumMod val="65000"/>
-                  <a:lumOff val="35000"/>
-                </a:schemeClr>
-              </a:solidFill>
-              <a:latin typeface="+mn-lt"/>
-              <a:ea typeface="+mn-ea"/>
-              <a:cs typeface="+mn-cs"/>
-            </a:defRPr>
-          </a:pPr>
-          <a:endParaRPr lang="nb-NO"/>
-        </a:p>
-      </c:txPr>
-    </c:title>
-    <c:autoTitleDeleted val="0"/>
-    <c:plotArea>
-      <c:layout/>
-      <c:barChart>
-        <c:barDir val="col"/>
-        <c:grouping val="clustered"/>
-        <c:varyColors val="0"/>
-        <c:ser>
-          <c:idx val="0"/>
-          <c:order val="0"/>
-          <c:tx>
-            <c:strRef>
-              <c:f>'Ark1'!$B$1</c:f>
-              <c:strCache>
-                <c:ptCount val="1"/>
-                <c:pt idx="0">
-                  <c:v>Serie 1</c:v>
-                </c:pt>
-              </c:strCache>
-            </c:strRef>
-          </c:tx>
-          <c:spPr>
-            <a:solidFill>
-              <a:schemeClr val="accent1"/>
-            </a:solidFill>
-            <a:ln>
-              <a:noFill/>
-            </a:ln>
-            <a:effectLst/>
-          </c:spPr>
-          <c:invertIfNegative val="0"/>
-          <c:cat>
-            <c:strRef>
-              <c:f>'Ark1'!$A$2:$A$5</c:f>
-              <c:strCache>
-                <c:ptCount val="4"/>
-                <c:pt idx="0">
-                  <c:v>Kategori 1</c:v>
-                </c:pt>
-                <c:pt idx="1">
-                  <c:v>Kategori 2</c:v>
-                </c:pt>
-                <c:pt idx="2">
-                  <c:v>Kategori 3</c:v>
-                </c:pt>
-                <c:pt idx="3">
-                  <c:v>Kategori 4</c:v>
-                </c:pt>
-              </c:strCache>
-            </c:strRef>
-          </c:cat>
-          <c:val>
-            <c:numRef>
-              <c:f>'Ark1'!$B$2:$B$5</c:f>
-              <c:numCache>
-                <c:formatCode>General</c:formatCode>
-                <c:ptCount val="4"/>
-                <c:pt idx="0">
-                  <c:v>4.3</c:v>
-                </c:pt>
-                <c:pt idx="1">
-                  <c:v>2.5</c:v>
-                </c:pt>
-                <c:pt idx="2">
-                  <c:v>3.5</c:v>
-                </c:pt>
-                <c:pt idx="3">
-                  <c:v>4.5</c:v>
-                </c:pt>
-              </c:numCache>
-            </c:numRef>
-          </c:val>
-          <c:extLst>
-            <c:ext xmlns:c16="http://schemas.microsoft.com/office/drawing/2014/chart" uri="{C3380CC4-5D6E-409C-BE32-E72D297353CC}">
-              <c16:uniqueId val="{00000000-AAFF-4D7E-8CFB-3149173A0AC2}"/>
-            </c:ext>
-          </c:extLst>
-        </c:ser>
-        <c:ser>
-          <c:idx val="1"/>
-          <c:order val="1"/>
-          <c:tx>
-            <c:strRef>
-              <c:f>'Ark1'!$C$1</c:f>
-              <c:strCache>
-                <c:ptCount val="1"/>
-                <c:pt idx="0">
-                  <c:v>Serie 2</c:v>
-                </c:pt>
-              </c:strCache>
-            </c:strRef>
-          </c:tx>
-          <c:spPr>
-            <a:solidFill>
-              <a:schemeClr val="accent2"/>
-            </a:solidFill>
-            <a:ln>
-              <a:noFill/>
-            </a:ln>
-            <a:effectLst/>
-          </c:spPr>
-          <c:invertIfNegative val="0"/>
-          <c:cat>
-            <c:strRef>
-              <c:f>'Ark1'!$A$2:$A$5</c:f>
-              <c:strCache>
-                <c:ptCount val="4"/>
-                <c:pt idx="0">
-                  <c:v>Kategori 1</c:v>
-                </c:pt>
-                <c:pt idx="1">
-                  <c:v>Kategori 2</c:v>
-                </c:pt>
-                <c:pt idx="2">
-                  <c:v>Kategori 3</c:v>
-                </c:pt>
-                <c:pt idx="3">
-                  <c:v>Kategori 4</c:v>
-                </c:pt>
-              </c:strCache>
-            </c:strRef>
-          </c:cat>
-          <c:val>
-            <c:numRef>
-              <c:f>'Ark1'!$C$2:$C$5</c:f>
-              <c:numCache>
-                <c:formatCode>General</c:formatCode>
-                <c:ptCount val="4"/>
-                <c:pt idx="0">
-                  <c:v>2.4</c:v>
-                </c:pt>
-                <c:pt idx="1">
-                  <c:v>4.4000000000000004</c:v>
-                </c:pt>
-                <c:pt idx="2">
-                  <c:v>1.8</c:v>
-                </c:pt>
-                <c:pt idx="3">
-                  <c:v>2.8</c:v>
-                </c:pt>
-              </c:numCache>
-            </c:numRef>
-          </c:val>
-          <c:extLst>
-            <c:ext xmlns:c16="http://schemas.microsoft.com/office/drawing/2014/chart" uri="{C3380CC4-5D6E-409C-BE32-E72D297353CC}">
-              <c16:uniqueId val="{00000001-AAFF-4D7E-8CFB-3149173A0AC2}"/>
-            </c:ext>
-          </c:extLst>
-        </c:ser>
-        <c:ser>
-          <c:idx val="2"/>
-          <c:order val="2"/>
-          <c:tx>
-            <c:strRef>
-              <c:f>'Ark1'!$D$1</c:f>
-              <c:strCache>
-                <c:ptCount val="1"/>
-                <c:pt idx="0">
-                  <c:v>Serie 3</c:v>
-                </c:pt>
-              </c:strCache>
-            </c:strRef>
-          </c:tx>
-          <c:spPr>
-            <a:solidFill>
-              <a:schemeClr val="accent3"/>
-            </a:solidFill>
-            <a:ln>
-              <a:noFill/>
-            </a:ln>
-            <a:effectLst/>
-          </c:spPr>
-          <c:invertIfNegative val="0"/>
-          <c:cat>
-            <c:strRef>
-              <c:f>'Ark1'!$A$2:$A$5</c:f>
-              <c:strCache>
-                <c:ptCount val="4"/>
-                <c:pt idx="0">
-                  <c:v>Kategori 1</c:v>
-                </c:pt>
-                <c:pt idx="1">
-                  <c:v>Kategori 2</c:v>
-                </c:pt>
-                <c:pt idx="2">
-                  <c:v>Kategori 3</c:v>
-                </c:pt>
-                <c:pt idx="3">
-                  <c:v>Kategori 4</c:v>
-                </c:pt>
-              </c:strCache>
-            </c:strRef>
-          </c:cat>
-          <c:val>
-            <c:numRef>
-              <c:f>'Ark1'!$D$2:$D$5</c:f>
-              <c:numCache>
-                <c:formatCode>General</c:formatCode>
-                <c:ptCount val="4"/>
-                <c:pt idx="0">
-                  <c:v>2</c:v>
-                </c:pt>
-                <c:pt idx="1">
-                  <c:v>2</c:v>
-                </c:pt>
-                <c:pt idx="2">
-                  <c:v>3</c:v>
-                </c:pt>
-                <c:pt idx="3">
-                  <c:v>5</c:v>
-                </c:pt>
-              </c:numCache>
-            </c:numRef>
-          </c:val>
-          <c:extLst>
-            <c:ext xmlns:c16="http://schemas.microsoft.com/office/drawing/2014/chart" uri="{C3380CC4-5D6E-409C-BE32-E72D297353CC}">
-              <c16:uniqueId val="{00000002-AAFF-4D7E-8CFB-3149173A0AC2}"/>
-            </c:ext>
-          </c:extLst>
-        </c:ser>
-        <c:ser>
-          <c:idx val="3"/>
-          <c:order val="3"/>
-          <c:tx>
-            <c:strRef>
-              <c:f>'Ark1'!$E$1</c:f>
-              <c:strCache>
-                <c:ptCount val="1"/>
-                <c:pt idx="0">
-                  <c:v>Serie 4</c:v>
-                </c:pt>
-              </c:strCache>
-            </c:strRef>
-          </c:tx>
-          <c:spPr>
-            <a:solidFill>
-              <a:schemeClr val="accent4"/>
-            </a:solidFill>
-            <a:ln>
-              <a:noFill/>
-            </a:ln>
-            <a:effectLst/>
-          </c:spPr>
-          <c:invertIfNegative val="0"/>
-          <c:cat>
-            <c:strRef>
-              <c:f>'Ark1'!$A$2:$A$5</c:f>
-              <c:strCache>
-                <c:ptCount val="4"/>
-                <c:pt idx="0">
-                  <c:v>Kategori 1</c:v>
-                </c:pt>
-                <c:pt idx="1">
-                  <c:v>Kategori 2</c:v>
-                </c:pt>
-                <c:pt idx="2">
-                  <c:v>Kategori 3</c:v>
-                </c:pt>
-                <c:pt idx="3">
-                  <c:v>Kategori 4</c:v>
-                </c:pt>
-              </c:strCache>
-            </c:strRef>
-          </c:cat>
-          <c:val>
-            <c:numRef>
-              <c:f>'Ark1'!$E$2:$E$5</c:f>
-              <c:numCache>
-                <c:formatCode>General</c:formatCode>
-                <c:ptCount val="4"/>
-                <c:pt idx="0">
-                  <c:v>5</c:v>
-                </c:pt>
-                <c:pt idx="1">
-                  <c:v>2</c:v>
-                </c:pt>
-                <c:pt idx="2">
-                  <c:v>8</c:v>
-                </c:pt>
-                <c:pt idx="3">
-                  <c:v>1</c:v>
-                </c:pt>
-              </c:numCache>
-            </c:numRef>
-          </c:val>
-          <c:extLst>
-            <c:ext xmlns:c16="http://schemas.microsoft.com/office/drawing/2014/chart" uri="{C3380CC4-5D6E-409C-BE32-E72D297353CC}">
-              <c16:uniqueId val="{00000003-AAFF-4D7E-8CFB-3149173A0AC2}"/>
-            </c:ext>
-          </c:extLst>
-        </c:ser>
-        <c:ser>
-          <c:idx val="4"/>
-          <c:order val="4"/>
-          <c:tx>
-            <c:strRef>
-              <c:f>'Ark1'!$F$1</c:f>
-              <c:strCache>
-                <c:ptCount val="1"/>
-                <c:pt idx="0">
-                  <c:v>Serie 5</c:v>
-                </c:pt>
-              </c:strCache>
-            </c:strRef>
-          </c:tx>
-          <c:spPr>
-            <a:solidFill>
-              <a:schemeClr val="accent5"/>
-            </a:solidFill>
-            <a:ln>
-              <a:noFill/>
-            </a:ln>
-            <a:effectLst/>
-          </c:spPr>
-          <c:invertIfNegative val="0"/>
-          <c:cat>
-            <c:strRef>
-              <c:f>'Ark1'!$A$2:$A$5</c:f>
-              <c:strCache>
-                <c:ptCount val="4"/>
-                <c:pt idx="0">
-                  <c:v>Kategori 1</c:v>
-                </c:pt>
-                <c:pt idx="1">
-                  <c:v>Kategori 2</c:v>
-                </c:pt>
-                <c:pt idx="2">
-                  <c:v>Kategori 3</c:v>
-                </c:pt>
-                <c:pt idx="3">
-                  <c:v>Kategori 4</c:v>
-                </c:pt>
-              </c:strCache>
-            </c:strRef>
-          </c:cat>
-          <c:val>
-            <c:numRef>
-              <c:f>'Ark1'!$F$2:$F$5</c:f>
-              <c:numCache>
-                <c:formatCode>General</c:formatCode>
-                <c:ptCount val="4"/>
-                <c:pt idx="0">
-                  <c:v>7</c:v>
-                </c:pt>
-                <c:pt idx="1">
-                  <c:v>2</c:v>
-                </c:pt>
-                <c:pt idx="2">
-                  <c:v>2</c:v>
-                </c:pt>
-                <c:pt idx="3">
-                  <c:v>4</c:v>
-                </c:pt>
-              </c:numCache>
-            </c:numRef>
-          </c:val>
-          <c:extLst>
-            <c:ext xmlns:c16="http://schemas.microsoft.com/office/drawing/2014/chart" uri="{C3380CC4-5D6E-409C-BE32-E72D297353CC}">
-              <c16:uniqueId val="{00000004-AAFF-4D7E-8CFB-3149173A0AC2}"/>
-            </c:ext>
-          </c:extLst>
-        </c:ser>
-        <c:ser>
-          <c:idx val="5"/>
-          <c:order val="5"/>
-          <c:tx>
-            <c:strRef>
-              <c:f>'Ark1'!$G$1</c:f>
-              <c:strCache>
-                <c:ptCount val="1"/>
-                <c:pt idx="0">
-                  <c:v>Serie 6</c:v>
-                </c:pt>
-              </c:strCache>
-            </c:strRef>
-          </c:tx>
-          <c:spPr>
-            <a:solidFill>
-              <a:schemeClr val="accent6"/>
-            </a:solidFill>
-            <a:ln>
-              <a:noFill/>
-            </a:ln>
-            <a:effectLst/>
-          </c:spPr>
-          <c:invertIfNegative val="0"/>
-          <c:cat>
-            <c:strRef>
-              <c:f>'Ark1'!$A$2:$A$5</c:f>
-              <c:strCache>
-                <c:ptCount val="4"/>
-                <c:pt idx="0">
-                  <c:v>Kategori 1</c:v>
-                </c:pt>
-                <c:pt idx="1">
-                  <c:v>Kategori 2</c:v>
-                </c:pt>
-                <c:pt idx="2">
-                  <c:v>Kategori 3</c:v>
-                </c:pt>
-                <c:pt idx="3">
-                  <c:v>Kategori 4</c:v>
-                </c:pt>
-              </c:strCache>
-            </c:strRef>
-          </c:cat>
-          <c:val>
-            <c:numRef>
-              <c:f>'Ark1'!$G$2:$G$5</c:f>
-              <c:numCache>
-                <c:formatCode>General</c:formatCode>
-                <c:ptCount val="4"/>
-                <c:pt idx="0">
-                  <c:v>5</c:v>
-                </c:pt>
-                <c:pt idx="1">
-                  <c:v>5</c:v>
-                </c:pt>
-                <c:pt idx="2">
-                  <c:v>5</c:v>
-                </c:pt>
-                <c:pt idx="3">
-                  <c:v>5</c:v>
-                </c:pt>
-              </c:numCache>
-            </c:numRef>
-          </c:val>
-          <c:extLst>
-            <c:ext xmlns:c16="http://schemas.microsoft.com/office/drawing/2014/chart" uri="{C3380CC4-5D6E-409C-BE32-E72D297353CC}">
-              <c16:uniqueId val="{00000005-AAFF-4D7E-8CFB-3149173A0AC2}"/>
-            </c:ext>
-          </c:extLst>
-        </c:ser>
-        <c:dLbls>
-          <c:showLegendKey val="0"/>
-          <c:showVal val="0"/>
-          <c:showCatName val="0"/>
-          <c:showSerName val="0"/>
-          <c:showPercent val="0"/>
-          <c:showBubbleSize val="0"/>
-        </c:dLbls>
-        <c:gapWidth val="219"/>
-        <c:overlap val="-27"/>
-        <c:axId val="559016112"/>
-        <c:axId val="559018992"/>
-      </c:barChart>
-      <c:catAx>
-        <c:axId val="559016112"/>
-        <c:scaling>
-          <c:orientation val="minMax"/>
-        </c:scaling>
-        <c:delete val="0"/>
-        <c:axPos val="b"/>
-        <c:numFmt formatCode="General" sourceLinked="1"/>
-        <c:majorTickMark val="none"/>
-        <c:minorTickMark val="none"/>
-        <c:tickLblPos val="nextTo"/>
-        <c:spPr>
-          <a:noFill/>
-          <a:ln w="9525" cap="flat" cmpd="sng" algn="ctr">
-            <a:solidFill>
-              <a:schemeClr val="tx1">
-                <a:lumMod val="15000"/>
-                <a:lumOff val="85000"/>
-              </a:schemeClr>
-            </a:solidFill>
-            <a:round/>
-          </a:ln>
-          <a:effectLst/>
-        </c:spPr>
-        <c:txPr>
-          <a:bodyPr rot="-60000000" spcFirstLastPara="1" vertOverflow="ellipsis" vert="horz" wrap="square" anchor="ctr" anchorCtr="1"/>
-          <a:lstStyle/>
-          <a:p>
-            <a:pPr>
-              <a:defRPr sz="1197" b="0" i="0" u="none" strike="noStrike" kern="1200" baseline="0">
-                <a:solidFill>
-                  <a:schemeClr val="tx1">
-                    <a:lumMod val="65000"/>
-                    <a:lumOff val="35000"/>
-                  </a:schemeClr>
-                </a:solidFill>
-                <a:latin typeface="+mn-lt"/>
-                <a:ea typeface="+mn-ea"/>
-                <a:cs typeface="+mn-cs"/>
-              </a:defRPr>
-            </a:pPr>
-            <a:endParaRPr lang="nb-NO"/>
-          </a:p>
-        </c:txPr>
-        <c:crossAx val="559018992"/>
-        <c:crosses val="autoZero"/>
-        <c:auto val="1"/>
-        <c:lblAlgn val="ctr"/>
-        <c:lblOffset val="100"/>
-        <c:noMultiLvlLbl val="0"/>
-      </c:catAx>
-      <c:valAx>
-        <c:axId val="559018992"/>
-        <c:scaling>
-          <c:orientation val="minMax"/>
-        </c:scaling>
-        <c:delete val="0"/>
-        <c:axPos val="l"/>
-        <c:majorGridlines>
-          <c:spPr>
-            <a:ln w="9525" cap="flat" cmpd="sng" algn="ctr">
-              <a:solidFill>
-                <a:schemeClr val="tx1">
-                  <a:lumMod val="15000"/>
-                  <a:lumOff val="85000"/>
-                </a:schemeClr>
-              </a:solidFill>
-              <a:round/>
-            </a:ln>
-            <a:effectLst/>
-          </c:spPr>
-        </c:majorGridlines>
-        <c:numFmt formatCode="General" sourceLinked="1"/>
-        <c:majorTickMark val="none"/>
-        <c:minorTickMark val="none"/>
-        <c:tickLblPos val="nextTo"/>
-        <c:spPr>
-          <a:noFill/>
-          <a:ln>
-            <a:noFill/>
-          </a:ln>
-          <a:effectLst/>
-        </c:spPr>
-        <c:txPr>
-          <a:bodyPr rot="-60000000" spcFirstLastPara="1" vertOverflow="ellipsis" vert="horz" wrap="square" anchor="ctr" anchorCtr="1"/>
-          <a:lstStyle/>
-          <a:p>
-            <a:pPr>
-              <a:defRPr sz="1197" b="0" i="0" u="none" strike="noStrike" kern="1200" baseline="0">
-                <a:solidFill>
-                  <a:schemeClr val="tx1">
-                    <a:lumMod val="65000"/>
-                    <a:lumOff val="35000"/>
-                  </a:schemeClr>
-                </a:solidFill>
-                <a:latin typeface="+mn-lt"/>
-                <a:ea typeface="+mn-ea"/>
-                <a:cs typeface="+mn-cs"/>
-              </a:defRPr>
-            </a:pPr>
-            <a:endParaRPr lang="nb-NO"/>
-          </a:p>
-        </c:txPr>
-        <c:crossAx val="559016112"/>
-        <c:crosses val="autoZero"/>
-        <c:crossBetween val="between"/>
-      </c:valAx>
-      <c:spPr>
-        <a:noFill/>
-        <a:ln>
-          <a:noFill/>
-        </a:ln>
-        <a:effectLst/>
-      </c:spPr>
-    </c:plotArea>
-    <c:legend>
-      <c:legendPos val="b"/>
-      <c:overlay val="0"/>
-      <c:spPr>
-        <a:noFill/>
-        <a:ln>
-          <a:noFill/>
-        </a:ln>
-        <a:effectLst/>
-      </c:spPr>
-      <c:txPr>
-        <a:bodyPr rot="0" spcFirstLastPara="1" vertOverflow="ellipsis" vert="horz" wrap="square" anchor="ctr" anchorCtr="1"/>
-        <a:lstStyle/>
-        <a:p>
-          <a:pPr>
-            <a:defRPr sz="1197" b="0" i="0" u="none" strike="noStrike" kern="1200" baseline="0">
-              <a:solidFill>
-                <a:schemeClr val="tx1">
-                  <a:lumMod val="65000"/>
-                  <a:lumOff val="35000"/>
-                </a:schemeClr>
-              </a:solidFill>
-              <a:latin typeface="+mn-lt"/>
-              <a:ea typeface="+mn-ea"/>
-              <a:cs typeface="+mn-cs"/>
-            </a:defRPr>
-          </a:pPr>
-          <a:endParaRPr lang="nb-NO"/>
-        </a:p>
-      </c:txPr>
-    </c:legend>
-    <c:plotVisOnly val="1"/>
-    <c:dispBlanksAs val="gap"/>
-    <c:extLst>
-      <c:ext xmlns:c16r3="http://schemas.microsoft.com/office/drawing/2017/03/chart" uri="{56B9EC1D-385E-4148-901F-78D8002777C0}">
-        <c16r3:dataDisplayOptions16>
-          <c16r3:dispNaAsBlank val="1"/>
-        </c16r3:dataDisplayOptions16>
-      </c:ext>
-    </c:extLst>
-    <c:showDLblsOverMax val="0"/>
-  </c:chart>
-  <c:spPr>
-    <a:noFill/>
-    <a:ln>
-      <a:noFill/>
-    </a:ln>
-    <a:effectLst/>
-  </c:spPr>
-  <c:txPr>
-    <a:bodyPr/>
-    <a:lstStyle/>
-    <a:p>
-      <a:pPr>
-        <a:defRPr/>
-      </a:pPr>
-      <a:endParaRPr lang="nb-NO"/>
-    </a:p>
-  </c:txPr>
-  <c:externalData r:id="rId3">
-    <c:autoUpdate val="0"/>
-  </c:externalData>
-</c:chartSpace>
-</file>
-
-<file path=ppt/charts/colors1.xml><?xml version="1.0" encoding="utf-8"?>
-<cs:colorStyle xmlns:cs="http://schemas.microsoft.com/office/drawing/2012/chartStyle" xmlns:a="http://schemas.openxmlformats.org/drawingml/2006/main" meth="cycle" id="10">
-  <a:schemeClr val="accent1"/>
-  <a:schemeClr val="accent2"/>
-  <a:schemeClr val="accent3"/>
-  <a:schemeClr val="accent4"/>
-  <a:schemeClr val="accent5"/>
-  <a:schemeClr val="accent6"/>
-  <cs:variation/>
-  <cs:variation>
-    <a:lumMod val="60000"/>
-  </cs:variation>
-  <cs:variation>
-    <a:lumMod val="80000"/>
-    <a:lumOff val="20000"/>
-  </cs:variation>
-  <cs:variation>
-    <a:lumMod val="80000"/>
-  </cs:variation>
-  <cs:variation>
-    <a:lumMod val="60000"/>
-    <a:lumOff val="40000"/>
-  </cs:variation>
-  <cs:variation>
-    <a:lumMod val="50000"/>
-  </cs:variation>
-  <cs:variation>
-    <a:lumMod val="70000"/>
-    <a:lumOff val="30000"/>
-  </cs:variation>
-  <cs:variation>
-    <a:lumMod val="70000"/>
-  </cs:variation>
-  <cs:variation>
-    <a:lumMod val="50000"/>
-    <a:lumOff val="50000"/>
-  </cs:variation>
-</cs:colorStyle>
-</file>
-
-<file path=ppt/charts/style1.xml><?xml version="1.0" encoding="utf-8"?>
-<cs:chartStyle xmlns:cs="http://schemas.microsoft.com/office/drawing/2012/chartStyle" xmlns:a="http://schemas.openxmlformats.org/drawingml/2006/main" id="201">
-  <cs:axisTitle>
-    <cs:lnRef idx="0"/>
-    <cs:fillRef idx="0"/>
-    <cs:effectRef idx="0"/>
-    <cs:fontRef idx="minor">
-      <a:schemeClr val="tx1">
-        <a:lumMod val="65000"/>
-        <a:lumOff val="35000"/>
-      </a:schemeClr>
-    </cs:fontRef>
-    <cs:defRPr sz="1330" kern="1200"/>
-  </cs:axisTitle>
-  <cs:categoryAxis>
-    <cs:lnRef idx="0"/>
-    <cs:fillRef idx="0"/>
-    <cs:effectRef idx="0"/>
-    <cs:fontRef idx="minor">
-      <a:schemeClr val="tx1">
-        <a:lumMod val="65000"/>
-        <a:lumOff val="35000"/>
-      </a:schemeClr>
-    </cs:fontRef>
-    <cs:spPr>
-      <a:ln w="9525" cap="flat" cmpd="sng" algn="ctr">
-        <a:solidFill>
-          <a:schemeClr val="tx1">
-            <a:lumMod val="15000"/>
-            <a:lumOff val="85000"/>
-          </a:schemeClr>
-        </a:solidFill>
-        <a:round/>
-      </a:ln>
-    </cs:spPr>
-    <cs:defRPr sz="1197" kern="1200"/>
-  </cs:categoryAxis>
-  <cs:chartArea mods="allowNoFillOverride allowNoLineOverride">
-    <cs:lnRef idx="0"/>
-    <cs:fillRef idx="0"/>
-    <cs:effectRef idx="0"/>
-    <cs:fontRef idx="minor">
-      <a:schemeClr val="tx1"/>
-    </cs:fontRef>
-    <cs:spPr>
-      <a:solidFill>
-        <a:schemeClr val="bg1"/>
-      </a:solidFill>
-      <a:ln w="9525" cap="flat" cmpd="sng" algn="ctr">
-        <a:solidFill>
-          <a:schemeClr val="tx1">
-            <a:lumMod val="15000"/>
-            <a:lumOff val="85000"/>
-          </a:schemeClr>
-        </a:solidFill>
-        <a:round/>
-      </a:ln>
-    </cs:spPr>
-    <cs:defRPr sz="1330" kern="1200"/>
-  </cs:chartArea>
-  <cs:dataLabel>
-    <cs:lnRef idx="0"/>
-    <cs:fillRef idx="0"/>
-    <cs:effectRef idx="0"/>
-    <cs:fontRef idx="minor">
-      <a:schemeClr val="tx1">
-        <a:lumMod val="75000"/>
-        <a:lumOff val="25000"/>
-      </a:schemeClr>
-    </cs:fontRef>
-    <cs:defRPr sz="1197" kern="1200"/>
-  </cs:dataLabel>
-  <cs:dataLabelCallout>
-    <cs:lnRef idx="0"/>
-    <cs:fillRef idx="0"/>
-    <cs:effectRef idx="0"/>
-    <cs:fontRef idx="minor">
-      <a:schemeClr val="dk1">
-        <a:lumMod val="65000"/>
-        <a:lumOff val="35000"/>
-      </a:schemeClr>
-    </cs:fontRef>
-    <cs:spPr>
-      <a:solidFill>
-        <a:schemeClr val="lt1"/>
-      </a:solidFill>
-      <a:ln>
-        <a:solidFill>
-          <a:schemeClr val="dk1">
-            <a:lumMod val="25000"/>
-            <a:lumOff val="75000"/>
-          </a:schemeClr>
-        </a:solidFill>
-      </a:ln>
-    </cs:spPr>
-    <cs:defRPr sz="1197" kern="1200"/>
-    <cs:bodyPr rot="0" spcFirstLastPara="1" vertOverflow="clip" horzOverflow="clip" vert="horz" wrap="square" lIns="36576" tIns="18288" rIns="36576" bIns="18288" anchor="ctr" anchorCtr="1">
-      <a:spAutoFit/>
-    </cs:bodyPr>
-  </cs:dataLabelCallout>
-  <cs:dataPoint>
-    <cs:lnRef idx="0"/>
-    <cs:fillRef idx="1">
-      <cs:styleClr val="auto"/>
-    </cs:fillRef>
-    <cs:effectRef idx="0"/>
-    <cs:fontRef idx="minor">
-      <a:schemeClr val="tx1"/>
-    </cs:fontRef>
-  </cs:dataPoint>
-  <cs:dataPoint3D>
-    <cs:lnRef idx="0"/>
-    <cs:fillRef idx="1">
-      <cs:styleClr val="auto"/>
-    </cs:fillRef>
-    <cs:effectRef idx="0"/>
-    <cs:fontRef idx="minor">
-      <a:schemeClr val="tx1"/>
-    </cs:fontRef>
-  </cs:dataPoint3D>
-  <cs:dataPointLine>
-    <cs:lnRef idx="0">
-      <cs:styleClr val="auto"/>
-    </cs:lnRef>
-    <cs:fillRef idx="1"/>
-    <cs:effectRef idx="0"/>
-    <cs:fontRef idx="minor">
-      <a:schemeClr val="tx1"/>
-    </cs:fontRef>
-    <cs:spPr>
-      <a:ln w="28575" cap="rnd">
-        <a:solidFill>
-          <a:schemeClr val="phClr"/>
-        </a:solidFill>
-        <a:round/>
-      </a:ln>
-    </cs:spPr>
-  </cs:dataPointLine>
-  <cs:dataPointMarker>
-    <cs:lnRef idx="0">
-      <cs:styleClr val="auto"/>
-    </cs:lnRef>
-    <cs:fillRef idx="1">
-      <cs:styleClr val="auto"/>
-    </cs:fillRef>
-    <cs:effectRef idx="0"/>
-    <cs:fontRef idx="minor">
-      <a:schemeClr val="tx1"/>
-    </cs:fontRef>
-    <cs:spPr>
-      <a:ln w="9525">
-        <a:solidFill>
-          <a:schemeClr val="phClr"/>
-        </a:solidFill>
-      </a:ln>
-    </cs:spPr>
-  </cs:dataPointMarker>
-  <cs:dataPointMarkerLayout symbol="circle" size="5"/>
-  <cs:dataPointWireframe>
-    <cs:lnRef idx="0">
-      <cs:styleClr val="auto"/>
-    </cs:lnRef>
-    <cs:fillRef idx="1"/>
-    <cs:effectRef idx="0"/>
-    <cs:fontRef idx="minor">
-      <a:schemeClr val="tx1"/>
-    </cs:fontRef>
-    <cs:spPr>
-      <a:ln w="9525" cap="rnd">
-        <a:solidFill>
-          <a:schemeClr val="phClr"/>
-        </a:solidFill>
-        <a:round/>
-      </a:ln>
-    </cs:spPr>
-  </cs:dataPointWireframe>
-  <cs:dataTable>
-    <cs:lnRef idx="0"/>
-    <cs:fillRef idx="0"/>
-    <cs:effectRef idx="0"/>
-    <cs:fontRef idx="minor">
-      <a:schemeClr val="tx1">
-        <a:lumMod val="65000"/>
-        <a:lumOff val="35000"/>
-      </a:schemeClr>
-    </cs:fontRef>
-    <cs:spPr>
-      <a:noFill/>
-      <a:ln w="9525" cap="flat" cmpd="sng" algn="ctr">
-        <a:solidFill>
-          <a:schemeClr val="tx1">
-            <a:lumMod val="15000"/>
-            <a:lumOff val="85000"/>
-          </a:schemeClr>
-        </a:solidFill>
-        <a:round/>
-      </a:ln>
-    </cs:spPr>
-    <cs:defRPr sz="1197" kern="1200"/>
-  </cs:dataTable>
-  <cs:downBar>
-    <cs:lnRef idx="0"/>
-    <cs:fillRef idx="0"/>
-    <cs:effectRef idx="0"/>
-    <cs:fontRef idx="minor">
-      <a:schemeClr val="dk1"/>
-    </cs:fontRef>
-    <cs:spPr>
-      <a:solidFill>
-        <a:schemeClr val="dk1">
-          <a:lumMod val="65000"/>
-          <a:lumOff val="35000"/>
-        </a:schemeClr>
-      </a:solidFill>
-      <a:ln w="9525">
-        <a:solidFill>
-          <a:schemeClr val="tx1">
-            <a:lumMod val="65000"/>
-            <a:lumOff val="35000"/>
-          </a:schemeClr>
-        </a:solidFill>
-      </a:ln>
-    </cs:spPr>
-  </cs:downBar>
-  <cs:dropLine>
-    <cs:lnRef idx="0"/>
-    <cs:fillRef idx="0"/>
-    <cs:effectRef idx="0"/>
-    <cs:fontRef idx="minor">
-      <a:schemeClr val="tx1"/>
-    </cs:fontRef>
-    <cs:spPr>
-      <a:ln w="9525" cap="flat" cmpd="sng" algn="ctr">
-        <a:solidFill>
-          <a:schemeClr val="tx1">
-            <a:lumMod val="35000"/>
-            <a:lumOff val="65000"/>
-          </a:schemeClr>
-        </a:solidFill>
-        <a:round/>
-      </a:ln>
-    </cs:spPr>
-  </cs:dropLine>
-  <cs:errorBar>
-    <cs:lnRef idx="0"/>
-    <cs:fillRef idx="0"/>
-    <cs:effectRef idx="0"/>
-    <cs:fontRef idx="minor">
-      <a:schemeClr val="tx1"/>
-    </cs:fontRef>
-    <cs:spPr>
-      <a:ln w="9525" cap="flat" cmpd="sng" algn="ctr">
-        <a:solidFill>
-          <a:schemeClr val="tx1">
-            <a:lumMod val="65000"/>
-            <a:lumOff val="35000"/>
-          </a:schemeClr>
-        </a:solidFill>
-        <a:round/>
-      </a:ln>
-    </cs:spPr>
-  </cs:errorBar>
-  <cs:floor>
-    <cs:lnRef idx="0"/>
-    <cs:fillRef idx="0"/>
-    <cs:effectRef idx="0"/>
-    <cs:fontRef idx="minor">
-      <a:schemeClr val="tx1"/>
-    </cs:fontRef>
-    <cs:spPr>
-      <a:noFill/>
-      <a:ln>
-        <a:noFill/>
-      </a:ln>
-    </cs:spPr>
-  </cs:floor>
-  <cs:gridlineMajor>
-    <cs:lnRef idx="0"/>
-    <cs:fillRef idx="0"/>
-    <cs:effectRef idx="0"/>
-    <cs:fontRef idx="minor">
-      <a:schemeClr val="tx1"/>
-    </cs:fontRef>
-    <cs:spPr>
-      <a:ln w="9525" cap="flat" cmpd="sng" algn="ctr">
-        <a:solidFill>
-          <a:schemeClr val="tx1">
-            <a:lumMod val="15000"/>
-            <a:lumOff val="85000"/>
-          </a:schemeClr>
-        </a:solidFill>
-        <a:round/>
-      </a:ln>
-    </cs:spPr>
-  </cs:gridlineMajor>
-  <cs:gridlineMinor>
-    <cs:lnRef idx="0"/>
-    <cs:fillRef idx="0"/>
-    <cs:effectRef idx="0"/>
-    <cs:fontRef idx="minor">
-      <a:schemeClr val="tx1"/>
-    </cs:fontRef>
-    <cs:spPr>
-      <a:ln w="9525" cap="flat" cmpd="sng" algn="ctr">
-        <a:solidFill>
-          <a:schemeClr val="tx1">
-            <a:lumMod val="5000"/>
-            <a:lumOff val="95000"/>
-          </a:schemeClr>
-        </a:solidFill>
-        <a:round/>
-      </a:ln>
-    </cs:spPr>
-  </cs:gridlineMinor>
-  <cs:hiLoLine>
-    <cs:lnRef idx="0"/>
-    <cs:fillRef idx="0"/>
-    <cs:effectRef idx="0"/>
-    <cs:fontRef idx="minor">
-      <a:schemeClr val="tx1"/>
-    </cs:fontRef>
-    <cs:spPr>
-      <a:ln w="9525" cap="flat" cmpd="sng" algn="ctr">
-        <a:solidFill>
-          <a:schemeClr val="tx1">
-            <a:lumMod val="75000"/>
-            <a:lumOff val="25000"/>
-          </a:schemeClr>
-        </a:solidFill>
-        <a:round/>
-      </a:ln>
-    </cs:spPr>
-  </cs:hiLoLine>
-  <cs:leaderLine>
-    <cs:lnRef idx="0"/>
-    <cs:fillRef idx="0"/>
-    <cs:effectRef idx="0"/>
-    <cs:fontRef idx="minor">
-      <a:schemeClr val="tx1"/>
-    </cs:fontRef>
-    <cs:spPr>
-      <a:ln w="9525" cap="flat" cmpd="sng" algn="ctr">
-        <a:solidFill>
-          <a:schemeClr val="tx1">
-            <a:lumMod val="35000"/>
-            <a:lumOff val="65000"/>
-          </a:schemeClr>
-        </a:solidFill>
-        <a:round/>
-      </a:ln>
-    </cs:spPr>
-  </cs:leaderLine>
-  <cs:legend>
-    <cs:lnRef idx="0"/>
-    <cs:fillRef idx="0"/>
-    <cs:effectRef idx="0"/>
-    <cs:fontRef idx="minor">
-      <a:schemeClr val="tx1">
-        <a:lumMod val="65000"/>
-        <a:lumOff val="35000"/>
-      </a:schemeClr>
-    </cs:fontRef>
-    <cs:defRPr sz="1197" kern="1200"/>
-  </cs:legend>
-  <cs:plotArea mods="allowNoFillOverride allowNoLineOverride">
-    <cs:lnRef idx="0"/>
-    <cs:fillRef idx="0"/>
-    <cs:effectRef idx="0"/>
-    <cs:fontRef idx="minor">
-      <a:schemeClr val="tx1"/>
-    </cs:fontRef>
-  </cs:plotArea>
-  <cs:plotArea3D mods="allowNoFillOverride allowNoLineOverride">
-    <cs:lnRef idx="0"/>
-    <cs:fillRef idx="0"/>
-    <cs:effectRef idx="0"/>
-    <cs:fontRef idx="minor">
-      <a:schemeClr val="tx1"/>
-    </cs:fontRef>
-  </cs:plotArea3D>
-  <cs:seriesAxis>
-    <cs:lnRef idx="0"/>
-    <cs:fillRef idx="0"/>
-    <cs:effectRef idx="0"/>
-    <cs:fontRef idx="minor">
-      <a:schemeClr val="tx1">
-        <a:lumMod val="65000"/>
-        <a:lumOff val="35000"/>
-      </a:schemeClr>
-    </cs:fontRef>
-    <cs:defRPr sz="1197" kern="1200"/>
-  </cs:seriesAxis>
-  <cs:seriesLine>
-    <cs:lnRef idx="0"/>
-    <cs:fillRef idx="0"/>
-    <cs:effectRef idx="0"/>
-    <cs:fontRef idx="minor">
-      <a:schemeClr val="tx1"/>
-    </cs:fontRef>
-    <cs:spPr>
-      <a:ln w="9525" cap="flat" cmpd="sng" algn="ctr">
-        <a:solidFill>
-          <a:schemeClr val="tx1">
-            <a:lumMod val="35000"/>
-            <a:lumOff val="65000"/>
-          </a:schemeClr>
-        </a:solidFill>
-        <a:round/>
-      </a:ln>
-    </cs:spPr>
-  </cs:seriesLine>
-  <cs:title>
-    <cs:lnRef idx="0"/>
-    <cs:fillRef idx="0"/>
-    <cs:effectRef idx="0"/>
-    <cs:fontRef idx="minor">
-      <a:schemeClr val="tx1">
-        <a:lumMod val="65000"/>
-        <a:lumOff val="35000"/>
-      </a:schemeClr>
-    </cs:fontRef>
-    <cs:defRPr sz="1862" b="0" kern="1200" spc="0" baseline="0"/>
-  </cs:title>
-  <cs:trendline>
-    <cs:lnRef idx="0">
-      <cs:styleClr val="auto"/>
-    </cs:lnRef>
-    <cs:fillRef idx="0"/>
-    <cs:effectRef idx="0"/>
-    <cs:fontRef idx="minor">
-      <a:schemeClr val="tx1"/>
-    </cs:fontRef>
-    <cs:spPr>
-      <a:ln w="19050" cap="rnd">
-        <a:solidFill>
-          <a:schemeClr val="phClr"/>
-        </a:solidFill>
-        <a:prstDash val="sysDot"/>
-      </a:ln>
-    </cs:spPr>
-  </cs:trendline>
-  <cs:trendlineLabel>
-    <cs:lnRef idx="0"/>
-    <cs:fillRef idx="0"/>
-    <cs:effectRef idx="0"/>
-    <cs:fontRef idx="minor">
-      <a:schemeClr val="tx1">
-        <a:lumMod val="65000"/>
-        <a:lumOff val="35000"/>
-      </a:schemeClr>
-    </cs:fontRef>
-    <cs:defRPr sz="1197" kern="1200"/>
-  </cs:trendlineLabel>
-  <cs:upBar>
-    <cs:lnRef idx="0"/>
-    <cs:fillRef idx="0"/>
-    <cs:effectRef idx="0"/>
-    <cs:fontRef idx="minor">
-      <a:schemeClr val="dk1"/>
-    </cs:fontRef>
-    <cs:spPr>
-      <a:solidFill>
-        <a:schemeClr val="lt1"/>
-      </a:solidFill>
-      <a:ln w="9525">
-        <a:solidFill>
-          <a:schemeClr val="tx1">
-            <a:lumMod val="15000"/>
-            <a:lumOff val="85000"/>
-          </a:schemeClr>
-        </a:solidFill>
-      </a:ln>
-    </cs:spPr>
-  </cs:upBar>
-  <cs:valueAxis>
-    <cs:lnRef idx="0"/>
-    <cs:fillRef idx="0"/>
-    <cs:effectRef idx="0"/>
-    <cs:fontRef idx="minor">
-      <a:schemeClr val="tx1">
-        <a:lumMod val="65000"/>
-        <a:lumOff val="35000"/>
-      </a:schemeClr>
-    </cs:fontRef>
-    <cs:defRPr sz="1197" kern="1200"/>
-  </cs:valueAxis>
-  <cs:wall>
-    <cs:lnRef idx="0"/>
-    <cs:fillRef idx="0"/>
-    <cs:effectRef idx="0"/>
-    <cs:fontRef idx="minor">
-      <a:schemeClr val="tx1"/>
-    </cs:fontRef>
-    <cs:spPr>
-      <a:noFill/>
-      <a:ln>
-        <a:noFill/>
-      </a:ln>
-    </cs:spPr>
-  </cs:wall>
-</cs:chartStyle>
 </file>
 
 <file path=ppt/notesMasters/notesMaster1.xml><?xml version="1.0" encoding="utf-8"?>
@@ -19576,7 +18409,7 @@
           <a:bodyPr/>
           <a:lstStyle/>
           <a:p>
-            <a:endParaRPr lang="nb-NO"/>
+            <a:endParaRPr lang="nb-NO" dirty="0"/>
           </a:p>
         </p:txBody>
       </p:sp>
@@ -19635,37 +18468,31 @@
           </a:p>
         </p:txBody>
       </p:sp>
-      <p:graphicFrame>
-        <p:nvGraphicFramePr>
-          <p:cNvPr id="6" name="Plassholder for innhold 5">
+      <p:sp>
+        <p:nvSpPr>
+          <p:cNvPr id="4" name="Plassholder for innhold 3">
             <a:extLst>
               <a:ext uri="{FF2B5EF4-FFF2-40B4-BE49-F238E27FC236}">
-                <a16:creationId xmlns:a16="http://schemas.microsoft.com/office/drawing/2014/main" id="{D30145CD-0C00-FF24-CC27-DCD96C587D9E}"/>
+                <a16:creationId xmlns:a16="http://schemas.microsoft.com/office/drawing/2014/main" id="{4B697510-C5B0-1288-247C-6176EB451E59}"/>
               </a:ext>
             </a:extLst>
           </p:cNvPr>
-          <p:cNvGraphicFramePr>
-            <a:graphicFrameLocks noGrp="1"/>
-          </p:cNvGraphicFramePr>
+          <p:cNvSpPr>
+            <a:spLocks noGrp="1"/>
+          </p:cNvSpPr>
           <p:nvPr>
             <p:ph idx="1"/>
-            <p:extLst>
-              <p:ext uri="{D42A27DB-BD31-4B8C-83A1-F6EECF244321}">
-                <p14:modId xmlns:p14="http://schemas.microsoft.com/office/powerpoint/2010/main" val="325986785"/>
-              </p:ext>
-            </p:extLst>
-          </p:nvPr>
-        </p:nvGraphicFramePr>
-        <p:xfrm>
-          <a:off x="628650" y="1370013"/>
-          <a:ext cx="7886700" cy="3041650"/>
-        </p:xfrm>
-        <a:graphic>
-          <a:graphicData uri="http://schemas.openxmlformats.org/drawingml/2006/chart">
-            <c:chart xmlns:c="http://schemas.openxmlformats.org/drawingml/2006/chart" xmlns:r="http://schemas.openxmlformats.org/officeDocument/2006/relationships" r:id="rId2"/>
-          </a:graphicData>
-        </a:graphic>
-      </p:graphicFrame>
+          </p:nvPr>
+        </p:nvSpPr>
+        <p:spPr/>
+        <p:txBody>
+          <a:bodyPr/>
+          <a:lstStyle/>
+          <a:p>
+            <a:endParaRPr lang="nb-NO"/>
+          </a:p>
+        </p:txBody>
+      </p:sp>
     </p:spTree>
     <p:extLst>
       <p:ext uri="{BB962C8B-B14F-4D97-AF65-F5344CB8AC3E}">
